--- a/Increment 2/Project 1a/Documentation/flowDiagram.pptx
+++ b/Increment 2/Project 1a/Documentation/flowDiagram.pptx
@@ -243,7 +243,7 @@
           <a:p>
             <a:fld id="{DD51B35D-314C-4750-B9BD-34B668A81BFF}" type="datetimeFigureOut">
               <a:rPr lang="en-US" smtClean="0"/>
-              <a:t>4/30/2020</a:t>
+              <a:t>5/10/2020</a:t>
             </a:fld>
             <a:endParaRPr lang="en-US"/>
           </a:p>
@@ -413,7 +413,7 @@
           <a:p>
             <a:fld id="{DD51B35D-314C-4750-B9BD-34B668A81BFF}" type="datetimeFigureOut">
               <a:rPr lang="en-US" smtClean="0"/>
-              <a:t>4/30/2020</a:t>
+              <a:t>5/10/2020</a:t>
             </a:fld>
             <a:endParaRPr lang="en-US"/>
           </a:p>
@@ -593,7 +593,7 @@
           <a:p>
             <a:fld id="{DD51B35D-314C-4750-B9BD-34B668A81BFF}" type="datetimeFigureOut">
               <a:rPr lang="en-US" smtClean="0"/>
-              <a:t>4/30/2020</a:t>
+              <a:t>5/10/2020</a:t>
             </a:fld>
             <a:endParaRPr lang="en-US"/>
           </a:p>
@@ -763,7 +763,7 @@
           <a:p>
             <a:fld id="{DD51B35D-314C-4750-B9BD-34B668A81BFF}" type="datetimeFigureOut">
               <a:rPr lang="en-US" smtClean="0"/>
-              <a:t>4/30/2020</a:t>
+              <a:t>5/10/2020</a:t>
             </a:fld>
             <a:endParaRPr lang="en-US"/>
           </a:p>
@@ -1007,7 +1007,7 @@
           <a:p>
             <a:fld id="{DD51B35D-314C-4750-B9BD-34B668A81BFF}" type="datetimeFigureOut">
               <a:rPr lang="en-US" smtClean="0"/>
-              <a:t>4/30/2020</a:t>
+              <a:t>5/10/2020</a:t>
             </a:fld>
             <a:endParaRPr lang="en-US"/>
           </a:p>
@@ -1239,7 +1239,7 @@
           <a:p>
             <a:fld id="{DD51B35D-314C-4750-B9BD-34B668A81BFF}" type="datetimeFigureOut">
               <a:rPr lang="en-US" smtClean="0"/>
-              <a:t>4/30/2020</a:t>
+              <a:t>5/10/2020</a:t>
             </a:fld>
             <a:endParaRPr lang="en-US"/>
           </a:p>
@@ -1606,7 +1606,7 @@
           <a:p>
             <a:fld id="{DD51B35D-314C-4750-B9BD-34B668A81BFF}" type="datetimeFigureOut">
               <a:rPr lang="en-US" smtClean="0"/>
-              <a:t>4/30/2020</a:t>
+              <a:t>5/10/2020</a:t>
             </a:fld>
             <a:endParaRPr lang="en-US"/>
           </a:p>
@@ -1724,7 +1724,7 @@
           <a:p>
             <a:fld id="{DD51B35D-314C-4750-B9BD-34B668A81BFF}" type="datetimeFigureOut">
               <a:rPr lang="en-US" smtClean="0"/>
-              <a:t>4/30/2020</a:t>
+              <a:t>5/10/2020</a:t>
             </a:fld>
             <a:endParaRPr lang="en-US"/>
           </a:p>
@@ -1819,7 +1819,7 @@
           <a:p>
             <a:fld id="{DD51B35D-314C-4750-B9BD-34B668A81BFF}" type="datetimeFigureOut">
               <a:rPr lang="en-US" smtClean="0"/>
-              <a:t>4/30/2020</a:t>
+              <a:t>5/10/2020</a:t>
             </a:fld>
             <a:endParaRPr lang="en-US"/>
           </a:p>
@@ -2096,7 +2096,7 @@
           <a:p>
             <a:fld id="{DD51B35D-314C-4750-B9BD-34B668A81BFF}" type="datetimeFigureOut">
               <a:rPr lang="en-US" smtClean="0"/>
-              <a:t>4/30/2020</a:t>
+              <a:t>5/10/2020</a:t>
             </a:fld>
             <a:endParaRPr lang="en-US"/>
           </a:p>
@@ -2353,7 +2353,7 @@
           <a:p>
             <a:fld id="{DD51B35D-314C-4750-B9BD-34B668A81BFF}" type="datetimeFigureOut">
               <a:rPr lang="en-US" smtClean="0"/>
-              <a:t>4/30/2020</a:t>
+              <a:t>5/10/2020</a:t>
             </a:fld>
             <a:endParaRPr lang="en-US"/>
           </a:p>
@@ -2566,7 +2566,7 @@
           <a:p>
             <a:fld id="{DD51B35D-314C-4750-B9BD-34B668A81BFF}" type="datetimeFigureOut">
               <a:rPr lang="en-US" smtClean="0"/>
-              <a:t>4/30/2020</a:t>
+              <a:t>5/10/2020</a:t>
             </a:fld>
             <a:endParaRPr lang="en-US"/>
           </a:p>
@@ -3911,6 +3911,60 @@
           </a:p>
         </p:txBody>
       </p:sp>
+      <p:sp>
+        <p:nvSpPr>
+          <p:cNvPr id="30" name="Rectangle: Rounded Corners 29">
+            <a:extLst>
+              <a:ext uri="{FF2B5EF4-FFF2-40B4-BE49-F238E27FC236}">
+                <a16:creationId xmlns:a16="http://schemas.microsoft.com/office/drawing/2014/main" id="{608D1081-9551-4838-9212-5021E5D50CE4}"/>
+              </a:ext>
+            </a:extLst>
+          </p:cNvPr>
+          <p:cNvSpPr/>
+          <p:nvPr/>
+        </p:nvSpPr>
+        <p:spPr>
+          <a:xfrm>
+            <a:off x="2040639" y="4751311"/>
+            <a:ext cx="2427214" cy="640680"/>
+          </a:xfrm>
+          <a:prstGeom prst="roundRect">
+            <a:avLst/>
+          </a:prstGeom>
+        </p:spPr>
+        <p:style>
+          <a:lnRef idx="2">
+            <a:schemeClr val="dk1"/>
+          </a:lnRef>
+          <a:fillRef idx="1">
+            <a:schemeClr val="lt1"/>
+          </a:fillRef>
+          <a:effectRef idx="0">
+            <a:schemeClr val="dk1"/>
+          </a:effectRef>
+          <a:fontRef idx="minor">
+            <a:schemeClr val="dk1"/>
+          </a:fontRef>
+        </p:style>
+        <p:txBody>
+          <a:bodyPr rtlCol="0" anchor="ctr"/>
+          <a:lstStyle/>
+          <a:p>
+            <a:pPr algn="ctr"/>
+            <a:r>
+              <a:rPr lang="en-US" sz="1400" b="1" dirty="0"/>
+              <a:t>Map-Reduce Algorithms</a:t>
+            </a:r>
+            <a:br>
+              <a:rPr lang="en-US" sz="1400" b="1" dirty="0"/>
+            </a:br>
+            <a:r>
+              <a:rPr lang="en-US" sz="1400" b="1" dirty="0"/>
+              <a:t>(Pre-processing I )</a:t>
+            </a:r>
+          </a:p>
+        </p:txBody>
+      </p:sp>
     </p:spTree>
     <p:extLst>
       <p:ext uri="{BB962C8B-B14F-4D97-AF65-F5344CB8AC3E}">
